--- a/Controllers Binding.pptx
+++ b/Controllers Binding.pptx
@@ -105,6 +105,11 @@
       </a:defRPr>
     </a:lvl9pPr>
   </p:defaultTextStyle>
+  <p:extLst>
+    <p:ext uri="{EFAFB233-063F-42B5-8137-9DF3F51BA10A}">
+      <p15:sldGuideLst xmlns:p15="http://schemas.microsoft.com/office/powerpoint/2012/main"/>
+    </p:ext>
+  </p:extLst>
 </p:presentation>
 </file>
 
@@ -255,7 +260,7 @@
           <a:p>
             <a:fld id="{8888D2BF-5A0D-47C2-B96C-BD0B7628C83E}" type="datetimeFigureOut">
               <a:rPr lang="he-IL" smtClean="0"/>
-              <a:t>כ"ד/אב/תשפ"ד</a:t>
+              <a:t>כ"ה/אב/תשפ"ד</a:t>
             </a:fld>
             <a:endParaRPr lang="he-IL"/>
           </a:p>
@@ -453,7 +458,7 @@
           <a:p>
             <a:fld id="{8888D2BF-5A0D-47C2-B96C-BD0B7628C83E}" type="datetimeFigureOut">
               <a:rPr lang="he-IL" smtClean="0"/>
-              <a:t>כ"ד/אב/תשפ"ד</a:t>
+              <a:t>כ"ה/אב/תשפ"ד</a:t>
             </a:fld>
             <a:endParaRPr lang="he-IL"/>
           </a:p>
@@ -661,7 +666,7 @@
           <a:p>
             <a:fld id="{8888D2BF-5A0D-47C2-B96C-BD0B7628C83E}" type="datetimeFigureOut">
               <a:rPr lang="he-IL" smtClean="0"/>
-              <a:t>כ"ד/אב/תשפ"ד</a:t>
+              <a:t>כ"ה/אב/תשפ"ד</a:t>
             </a:fld>
             <a:endParaRPr lang="he-IL"/>
           </a:p>
@@ -859,7 +864,7 @@
           <a:p>
             <a:fld id="{8888D2BF-5A0D-47C2-B96C-BD0B7628C83E}" type="datetimeFigureOut">
               <a:rPr lang="he-IL" smtClean="0"/>
-              <a:t>כ"ד/אב/תשפ"ד</a:t>
+              <a:t>כ"ה/אב/תשפ"ד</a:t>
             </a:fld>
             <a:endParaRPr lang="he-IL"/>
           </a:p>
@@ -1134,7 +1139,7 @@
           <a:p>
             <a:fld id="{8888D2BF-5A0D-47C2-B96C-BD0B7628C83E}" type="datetimeFigureOut">
               <a:rPr lang="he-IL" smtClean="0"/>
-              <a:t>כ"ד/אב/תשפ"ד</a:t>
+              <a:t>כ"ה/אב/תשפ"ד</a:t>
             </a:fld>
             <a:endParaRPr lang="he-IL"/>
           </a:p>
@@ -1399,7 +1404,7 @@
           <a:p>
             <a:fld id="{8888D2BF-5A0D-47C2-B96C-BD0B7628C83E}" type="datetimeFigureOut">
               <a:rPr lang="he-IL" smtClean="0"/>
-              <a:t>כ"ד/אב/תשפ"ד</a:t>
+              <a:t>כ"ה/אב/תשפ"ד</a:t>
             </a:fld>
             <a:endParaRPr lang="he-IL"/>
           </a:p>
@@ -1811,7 +1816,7 @@
           <a:p>
             <a:fld id="{8888D2BF-5A0D-47C2-B96C-BD0B7628C83E}" type="datetimeFigureOut">
               <a:rPr lang="he-IL" smtClean="0"/>
-              <a:t>כ"ד/אב/תשפ"ד</a:t>
+              <a:t>כ"ה/אב/תשפ"ד</a:t>
             </a:fld>
             <a:endParaRPr lang="he-IL"/>
           </a:p>
@@ -1952,7 +1957,7 @@
           <a:p>
             <a:fld id="{8888D2BF-5A0D-47C2-B96C-BD0B7628C83E}" type="datetimeFigureOut">
               <a:rPr lang="he-IL" smtClean="0"/>
-              <a:t>כ"ד/אב/תשפ"ד</a:t>
+              <a:t>כ"ה/אב/תשפ"ד</a:t>
             </a:fld>
             <a:endParaRPr lang="he-IL"/>
           </a:p>
@@ -2065,7 +2070,7 @@
           <a:p>
             <a:fld id="{8888D2BF-5A0D-47C2-B96C-BD0B7628C83E}" type="datetimeFigureOut">
               <a:rPr lang="he-IL" smtClean="0"/>
-              <a:t>כ"ד/אב/תשפ"ד</a:t>
+              <a:t>כ"ה/אב/תשפ"ד</a:t>
             </a:fld>
             <a:endParaRPr lang="he-IL"/>
           </a:p>
@@ -2376,7 +2381,7 @@
           <a:p>
             <a:fld id="{8888D2BF-5A0D-47C2-B96C-BD0B7628C83E}" type="datetimeFigureOut">
               <a:rPr lang="he-IL" smtClean="0"/>
-              <a:t>כ"ד/אב/תשפ"ד</a:t>
+              <a:t>כ"ה/אב/תשפ"ד</a:t>
             </a:fld>
             <a:endParaRPr lang="he-IL"/>
           </a:p>
@@ -2664,7 +2669,7 @@
           <a:p>
             <a:fld id="{8888D2BF-5A0D-47C2-B96C-BD0B7628C83E}" type="datetimeFigureOut">
               <a:rPr lang="he-IL" smtClean="0"/>
-              <a:t>כ"ד/אב/תשפ"ד</a:t>
+              <a:t>כ"ה/אב/תשפ"ד</a:t>
             </a:fld>
             <a:endParaRPr lang="he-IL"/>
           </a:p>
@@ -2905,7 +2910,7 @@
           <a:p>
             <a:fld id="{8888D2BF-5A0D-47C2-B96C-BD0B7628C83E}" type="datetimeFigureOut">
               <a:rPr lang="he-IL" smtClean="0"/>
-              <a:t>כ"ד/אב/תשפ"ד</a:t>
+              <a:t>כ"ה/אב/תשפ"ד</a:t>
             </a:fld>
             <a:endParaRPr lang="he-IL"/>
           </a:p>
@@ -3351,7 +3356,7 @@
         </p:blipFill>
         <p:spPr bwMode="auto">
           <a:xfrm>
-            <a:off x="592268" y="136358"/>
+            <a:off x="0" y="155910"/>
             <a:ext cx="11007464" cy="6325101"/>
           </a:xfrm>
           <a:prstGeom prst="rect">
@@ -3383,8 +3388,8 @@
         </p:nvSpPr>
         <p:spPr>
           <a:xfrm>
-            <a:off x="9135979" y="1390624"/>
-            <a:ext cx="1909011" cy="4523874"/>
+            <a:off x="8558464" y="1414687"/>
+            <a:ext cx="3826041" cy="4523874"/>
           </a:xfrm>
           <a:prstGeom prst="rect">
             <a:avLst/>
@@ -3437,7 +3442,7 @@
         </p:nvSpPr>
         <p:spPr>
           <a:xfrm>
-            <a:off x="592268" y="1748590"/>
+            <a:off x="0" y="1620253"/>
             <a:ext cx="1677690" cy="4523874"/>
           </a:xfrm>
           <a:prstGeom prst="rect">
@@ -3530,8 +3535,8 @@
         </p:nvSpPr>
         <p:spPr>
           <a:xfrm>
-            <a:off x="6729664" y="2542855"/>
-            <a:ext cx="4507831" cy="369332"/>
+            <a:off x="8558464" y="2525436"/>
+            <a:ext cx="3633536" cy="646331"/>
           </a:xfrm>
           <a:prstGeom prst="rect">
             <a:avLst/>
@@ -3574,17 +3579,49 @@
                   <a:schemeClr val="bg1"/>
                 </a:solidFill>
               </a:rPr>
-              <a:t> אוטומטי</a:t>
-            </a:r>
-          </a:p>
-        </p:txBody>
-      </p:sp>
-      <p:sp>
-        <p:nvSpPr>
-          <p:cNvPr id="10" name="תיבת טקסט 9">
-            <a:extLst>
-              <a:ext uri="{FF2B5EF4-FFF2-40B4-BE49-F238E27FC236}">
-                <a16:creationId xmlns:a16="http://schemas.microsoft.com/office/drawing/2014/main" id="{CF9AEA2E-C729-4313-95E2-4AD569F8E219}"/>
+              <a:t> אוטומטי </a:t>
+            </a:r>
+            <a:r>
+              <a:rPr lang="en-US" dirty="0">
+                <a:solidFill>
+                  <a:schemeClr val="bg1"/>
+                </a:solidFill>
+              </a:rPr>
+              <a:t>/ </a:t>
+            </a:r>
+            <a:r>
+              <a:rPr lang="he-IL" dirty="0">
+                <a:solidFill>
+                  <a:schemeClr val="bg1"/>
+                </a:solidFill>
+              </a:rPr>
+              <a:t>עצירה </a:t>
+            </a:r>
+            <a:r>
+              <a:rPr lang="he-IL" dirty="0" err="1">
+                <a:solidFill>
+                  <a:schemeClr val="bg1"/>
+                </a:solidFill>
+              </a:rPr>
+              <a:t>לאמפ</a:t>
+            </a:r>
+            <a:r>
+              <a:rPr lang="he-IL" dirty="0">
+                <a:solidFill>
+                  <a:schemeClr val="bg1"/>
+                </a:solidFill>
+              </a:rPr>
+              <a:t> לפני פליטה</a:t>
+            </a:r>
+          </a:p>
+        </p:txBody>
+      </p:sp>
+      <p:sp>
+        <p:nvSpPr>
+          <p:cNvPr id="12" name="תיבת טקסט 11">
+            <a:extLst>
+              <a:ext uri="{FF2B5EF4-FFF2-40B4-BE49-F238E27FC236}">
+                <a16:creationId xmlns:a16="http://schemas.microsoft.com/office/drawing/2014/main" id="{17CCC3B2-2883-43DC-95C3-99BAE82055B0}"/>
               </a:ext>
             </a:extLst>
           </p:cNvPr>
@@ -3593,8 +3630,8 @@
         </p:nvSpPr>
         <p:spPr>
           <a:xfrm>
-            <a:off x="6657474" y="4009398"/>
-            <a:ext cx="4507831" cy="369332"/>
+            <a:off x="6837948" y="4061212"/>
+            <a:ext cx="3633536" cy="369332"/>
           </a:xfrm>
           <a:prstGeom prst="rect">
             <a:avLst/>
@@ -3613,7 +3650,7 @@
                   <a:schemeClr val="bg1"/>
                 </a:solidFill>
               </a:rPr>
-              <a:t>טוגל</a:t>
+              <a:t>אמפ</a:t>
             </a:r>
             <a:r>
               <a:rPr lang="he-IL" dirty="0">
@@ -3621,7 +3658,46 @@
                   <a:schemeClr val="bg1"/>
                 </a:solidFill>
               </a:rPr>
-              <a:t> </a:t>
+              <a:t> שלוש לחיצות</a:t>
+            </a:r>
+          </a:p>
+        </p:txBody>
+      </p:sp>
+      <p:sp>
+        <p:nvSpPr>
+          <p:cNvPr id="13" name="תיבת טקסט 12">
+            <a:extLst>
+              <a:ext uri="{FF2B5EF4-FFF2-40B4-BE49-F238E27FC236}">
+                <a16:creationId xmlns:a16="http://schemas.microsoft.com/office/drawing/2014/main" id="{E7361140-06D3-4587-AF0B-BC2F21527CAF}"/>
+              </a:ext>
+            </a:extLst>
+          </p:cNvPr>
+          <p:cNvSpPr txBox="1"/>
+          <p:nvPr/>
+        </p:nvSpPr>
+        <p:spPr>
+          <a:xfrm>
+            <a:off x="6245681" y="4517103"/>
+            <a:ext cx="3633536" cy="369332"/>
+          </a:xfrm>
+          <a:prstGeom prst="rect">
+            <a:avLst/>
+          </a:prstGeom>
+          <a:noFill/>
+        </p:spPr>
+        <p:txBody>
+          <a:bodyPr wrap="square" rtlCol="1">
+            <a:spAutoFit/>
+          </a:bodyPr>
+          <a:lstStyle/>
+          <a:p>
+            <a:r>
+              <a:rPr lang="he-IL" dirty="0">
+                <a:solidFill>
+                  <a:schemeClr val="bg1"/>
+                </a:solidFill>
+              </a:rPr>
+              <a:t>שחרור </a:t>
             </a:r>
             <a:r>
               <a:rPr lang="he-IL" dirty="0" err="1">
@@ -3629,15 +3705,161 @@
                   <a:schemeClr val="bg1"/>
                 </a:solidFill>
               </a:rPr>
-              <a:t>אינטייק</a:t>
-            </a:r>
+              <a:t>נואט</a:t>
+            </a:r>
+            <a:endParaRPr lang="he-IL" dirty="0">
+              <a:solidFill>
+                <a:schemeClr val="bg1"/>
+              </a:solidFill>
+            </a:endParaRPr>
+          </a:p>
+        </p:txBody>
+      </p:sp>
+      <p:sp>
+        <p:nvSpPr>
+          <p:cNvPr id="14" name="תיבת טקסט 13">
+            <a:extLst>
+              <a:ext uri="{FF2B5EF4-FFF2-40B4-BE49-F238E27FC236}">
+                <a16:creationId xmlns:a16="http://schemas.microsoft.com/office/drawing/2014/main" id="{E38DE19A-BB21-4A2E-84E3-FF5F57309BD0}"/>
+              </a:ext>
+            </a:extLst>
+          </p:cNvPr>
+          <p:cNvSpPr txBox="1"/>
+          <p:nvPr/>
+        </p:nvSpPr>
+        <p:spPr>
+          <a:xfrm>
+            <a:off x="-36095" y="2446657"/>
+            <a:ext cx="1749879" cy="646331"/>
+          </a:xfrm>
+          <a:prstGeom prst="rect">
+            <a:avLst/>
+          </a:prstGeom>
+          <a:noFill/>
+        </p:spPr>
+        <p:txBody>
+          <a:bodyPr wrap="square" rtlCol="1">
+            <a:spAutoFit/>
+          </a:bodyPr>
+          <a:lstStyle/>
+          <a:p>
             <a:r>
               <a:rPr lang="he-IL" dirty="0">
                 <a:solidFill>
                   <a:schemeClr val="bg1"/>
                 </a:solidFill>
               </a:rPr>
-              <a:t> אוטומטי</a:t>
+              <a:t>ירי מהמקום אוטומט</a:t>
+            </a:r>
+          </a:p>
+        </p:txBody>
+      </p:sp>
+      <p:sp>
+        <p:nvSpPr>
+          <p:cNvPr id="15" name="תיבת טקסט 14">
+            <a:extLst>
+              <a:ext uri="{FF2B5EF4-FFF2-40B4-BE49-F238E27FC236}">
+                <a16:creationId xmlns:a16="http://schemas.microsoft.com/office/drawing/2014/main" id="{BF864CE4-FB37-43ED-B79C-7EBD62584CE6}"/>
+              </a:ext>
+            </a:extLst>
+          </p:cNvPr>
+          <p:cNvSpPr txBox="1"/>
+          <p:nvPr/>
+        </p:nvSpPr>
+        <p:spPr>
+          <a:xfrm>
+            <a:off x="0" y="4517103"/>
+            <a:ext cx="1749879" cy="369332"/>
+          </a:xfrm>
+          <a:prstGeom prst="rect">
+            <a:avLst/>
+          </a:prstGeom>
+          <a:noFill/>
+        </p:spPr>
+        <p:txBody>
+          <a:bodyPr wrap="square" rtlCol="1">
+            <a:spAutoFit/>
+          </a:bodyPr>
+          <a:lstStyle/>
+          <a:p>
+            <a:r>
+              <a:rPr lang="he-IL" dirty="0">
+                <a:solidFill>
+                  <a:schemeClr val="bg1"/>
+                </a:solidFill>
+              </a:rPr>
+              <a:t>ירי </a:t>
+            </a:r>
+            <a:r>
+              <a:rPr lang="he-IL" dirty="0" err="1">
+                <a:solidFill>
+                  <a:schemeClr val="bg1"/>
+                </a:solidFill>
+              </a:rPr>
+              <a:t>פריסט</a:t>
+            </a:r>
+            <a:r>
+              <a:rPr lang="he-IL" dirty="0">
+                <a:solidFill>
+                  <a:schemeClr val="bg1"/>
+                </a:solidFill>
+              </a:rPr>
+              <a:t> צמוד</a:t>
+            </a:r>
+          </a:p>
+        </p:txBody>
+      </p:sp>
+      <p:sp>
+        <p:nvSpPr>
+          <p:cNvPr id="16" name="תיבת טקסט 15">
+            <a:extLst>
+              <a:ext uri="{FF2B5EF4-FFF2-40B4-BE49-F238E27FC236}">
+                <a16:creationId xmlns:a16="http://schemas.microsoft.com/office/drawing/2014/main" id="{CC9CCEF8-7DA9-4288-B670-80855DE00260}"/>
+              </a:ext>
+            </a:extLst>
+          </p:cNvPr>
+          <p:cNvSpPr txBox="1"/>
+          <p:nvPr/>
+        </p:nvSpPr>
+        <p:spPr>
+          <a:xfrm>
+            <a:off x="-29363" y="4061212"/>
+            <a:ext cx="1749879" cy="369332"/>
+          </a:xfrm>
+          <a:prstGeom prst="rect">
+            <a:avLst/>
+          </a:prstGeom>
+          <a:noFill/>
+        </p:spPr>
+        <p:txBody>
+          <a:bodyPr wrap="square" rtlCol="1">
+            <a:spAutoFit/>
+          </a:bodyPr>
+          <a:lstStyle/>
+          <a:p>
+            <a:r>
+              <a:rPr lang="he-IL" dirty="0">
+                <a:solidFill>
+                  <a:schemeClr val="bg1"/>
+                </a:solidFill>
+              </a:rPr>
+              <a:t>ירי </a:t>
+            </a:r>
+            <a:r>
+              <a:rPr lang="he-IL" dirty="0" err="1">
+                <a:solidFill>
+                  <a:schemeClr val="bg1"/>
+                </a:solidFill>
+              </a:rPr>
+              <a:t>פריסט</a:t>
+            </a:r>
+            <a:r>
+              <a:rPr lang="he-IL" dirty="0">
+                <a:solidFill>
+                  <a:schemeClr val="bg1"/>
+                </a:solidFill>
+              </a:rPr>
+              <a:t> פודיום</a:t>
             </a:r>
           </a:p>
         </p:txBody>
@@ -4050,6 +4272,45 @@
                 </a:solidFill>
               </a:rPr>
               <a:t> קדימה ידני</a:t>
+            </a:r>
+          </a:p>
+        </p:txBody>
+      </p:sp>
+      <p:sp>
+        <p:nvSpPr>
+          <p:cNvPr id="13" name="תיבת טקסט 12">
+            <a:extLst>
+              <a:ext uri="{FF2B5EF4-FFF2-40B4-BE49-F238E27FC236}">
+                <a16:creationId xmlns:a16="http://schemas.microsoft.com/office/drawing/2014/main" id="{5815CBB6-142E-46D8-BC42-CEB403243C8D}"/>
+              </a:ext>
+            </a:extLst>
+          </p:cNvPr>
+          <p:cNvSpPr txBox="1"/>
+          <p:nvPr/>
+        </p:nvSpPr>
+        <p:spPr>
+          <a:xfrm>
+            <a:off x="608310" y="5132266"/>
+            <a:ext cx="1749879" cy="369332"/>
+          </a:xfrm>
+          <a:prstGeom prst="rect">
+            <a:avLst/>
+          </a:prstGeom>
+          <a:noFill/>
+        </p:spPr>
+        <p:txBody>
+          <a:bodyPr wrap="square" rtlCol="1">
+            <a:spAutoFit/>
+          </a:bodyPr>
+          <a:lstStyle/>
+          <a:p>
+            <a:r>
+              <a:rPr lang="he-IL" dirty="0">
+                <a:solidFill>
+                  <a:schemeClr val="bg1"/>
+                </a:solidFill>
+              </a:rPr>
+              <a:t>זרוע ידני </a:t>
             </a:r>
           </a:p>
         </p:txBody>

--- a/Controllers Binding.pptx
+++ b/Controllers Binding.pptx
@@ -260,7 +260,7 @@
           <a:p>
             <a:fld id="{8888D2BF-5A0D-47C2-B96C-BD0B7628C83E}" type="datetimeFigureOut">
               <a:rPr lang="he-IL" smtClean="0"/>
-              <a:t>כ"ה/אב/תשפ"ד</a:t>
+              <a:t>כ"ח/אב/תשפ"ד</a:t>
             </a:fld>
             <a:endParaRPr lang="he-IL"/>
           </a:p>
@@ -458,7 +458,7 @@
           <a:p>
             <a:fld id="{8888D2BF-5A0D-47C2-B96C-BD0B7628C83E}" type="datetimeFigureOut">
               <a:rPr lang="he-IL" smtClean="0"/>
-              <a:t>כ"ה/אב/תשפ"ד</a:t>
+              <a:t>כ"ח/אב/תשפ"ד</a:t>
             </a:fld>
             <a:endParaRPr lang="he-IL"/>
           </a:p>
@@ -666,7 +666,7 @@
           <a:p>
             <a:fld id="{8888D2BF-5A0D-47C2-B96C-BD0B7628C83E}" type="datetimeFigureOut">
               <a:rPr lang="he-IL" smtClean="0"/>
-              <a:t>כ"ה/אב/תשפ"ד</a:t>
+              <a:t>כ"ח/אב/תשפ"ד</a:t>
             </a:fld>
             <a:endParaRPr lang="he-IL"/>
           </a:p>
@@ -864,7 +864,7 @@
           <a:p>
             <a:fld id="{8888D2BF-5A0D-47C2-B96C-BD0B7628C83E}" type="datetimeFigureOut">
               <a:rPr lang="he-IL" smtClean="0"/>
-              <a:t>כ"ה/אב/תשפ"ד</a:t>
+              <a:t>כ"ח/אב/תשפ"ד</a:t>
             </a:fld>
             <a:endParaRPr lang="he-IL"/>
           </a:p>
@@ -1139,7 +1139,7 @@
           <a:p>
             <a:fld id="{8888D2BF-5A0D-47C2-B96C-BD0B7628C83E}" type="datetimeFigureOut">
               <a:rPr lang="he-IL" smtClean="0"/>
-              <a:t>כ"ה/אב/תשפ"ד</a:t>
+              <a:t>כ"ח/אב/תשפ"ד</a:t>
             </a:fld>
             <a:endParaRPr lang="he-IL"/>
           </a:p>
@@ -1404,7 +1404,7 @@
           <a:p>
             <a:fld id="{8888D2BF-5A0D-47C2-B96C-BD0B7628C83E}" type="datetimeFigureOut">
               <a:rPr lang="he-IL" smtClean="0"/>
-              <a:t>כ"ה/אב/תשפ"ד</a:t>
+              <a:t>כ"ח/אב/תשפ"ד</a:t>
             </a:fld>
             <a:endParaRPr lang="he-IL"/>
           </a:p>
@@ -1816,7 +1816,7 @@
           <a:p>
             <a:fld id="{8888D2BF-5A0D-47C2-B96C-BD0B7628C83E}" type="datetimeFigureOut">
               <a:rPr lang="he-IL" smtClean="0"/>
-              <a:t>כ"ה/אב/תשפ"ד</a:t>
+              <a:t>כ"ח/אב/תשפ"ד</a:t>
             </a:fld>
             <a:endParaRPr lang="he-IL"/>
           </a:p>
@@ -1957,7 +1957,7 @@
           <a:p>
             <a:fld id="{8888D2BF-5A0D-47C2-B96C-BD0B7628C83E}" type="datetimeFigureOut">
               <a:rPr lang="he-IL" smtClean="0"/>
-              <a:t>כ"ה/אב/תשפ"ד</a:t>
+              <a:t>כ"ח/אב/תשפ"ד</a:t>
             </a:fld>
             <a:endParaRPr lang="he-IL"/>
           </a:p>
@@ -2070,7 +2070,7 @@
           <a:p>
             <a:fld id="{8888D2BF-5A0D-47C2-B96C-BD0B7628C83E}" type="datetimeFigureOut">
               <a:rPr lang="he-IL" smtClean="0"/>
-              <a:t>כ"ה/אב/תשפ"ד</a:t>
+              <a:t>כ"ח/אב/תשפ"ד</a:t>
             </a:fld>
             <a:endParaRPr lang="he-IL"/>
           </a:p>
@@ -2381,7 +2381,7 @@
           <a:p>
             <a:fld id="{8888D2BF-5A0D-47C2-B96C-BD0B7628C83E}" type="datetimeFigureOut">
               <a:rPr lang="he-IL" smtClean="0"/>
-              <a:t>כ"ה/אב/תשפ"ד</a:t>
+              <a:t>כ"ח/אב/תשפ"ד</a:t>
             </a:fld>
             <a:endParaRPr lang="he-IL"/>
           </a:p>
@@ -2669,7 +2669,7 @@
           <a:p>
             <a:fld id="{8888D2BF-5A0D-47C2-B96C-BD0B7628C83E}" type="datetimeFigureOut">
               <a:rPr lang="he-IL" smtClean="0"/>
-              <a:t>כ"ה/אב/תשפ"ד</a:t>
+              <a:t>כ"ח/אב/תשפ"ד</a:t>
             </a:fld>
             <a:endParaRPr lang="he-IL"/>
           </a:p>
@@ -2910,7 +2910,7 @@
           <a:p>
             <a:fld id="{8888D2BF-5A0D-47C2-B96C-BD0B7628C83E}" type="datetimeFigureOut">
               <a:rPr lang="he-IL" smtClean="0"/>
-              <a:t>כ"ה/אב/תשפ"ד</a:t>
+              <a:t>כ"ח/אב/תשפ"ד</a:t>
             </a:fld>
             <a:endParaRPr lang="he-IL"/>
           </a:p>
@@ -3388,7 +3388,7 @@
         </p:nvSpPr>
         <p:spPr>
           <a:xfrm>
-            <a:off x="8558464" y="1414687"/>
+            <a:off x="8594559" y="1454793"/>
             <a:ext cx="3826041" cy="4523874"/>
           </a:xfrm>
           <a:prstGeom prst="rect">
@@ -3535,102 +3535,7 @@
         </p:nvSpPr>
         <p:spPr>
           <a:xfrm>
-            <a:off x="8558464" y="2525436"/>
-            <a:ext cx="3633536" cy="646331"/>
-          </a:xfrm>
-          <a:prstGeom prst="rect">
-            <a:avLst/>
-          </a:prstGeom>
-          <a:noFill/>
-        </p:spPr>
-        <p:txBody>
-          <a:bodyPr wrap="square" rtlCol="1">
-            <a:spAutoFit/>
-          </a:bodyPr>
-          <a:lstStyle/>
-          <a:p>
-            <a:r>
-              <a:rPr lang="he-IL" dirty="0" err="1">
-                <a:solidFill>
-                  <a:schemeClr val="bg1"/>
-                </a:solidFill>
-              </a:rPr>
-              <a:t>טוגל</a:t>
-            </a:r>
-            <a:r>
-              <a:rPr lang="he-IL" dirty="0">
-                <a:solidFill>
-                  <a:schemeClr val="bg1"/>
-                </a:solidFill>
-              </a:rPr>
-              <a:t> </a:t>
-            </a:r>
-            <a:r>
-              <a:rPr lang="he-IL" dirty="0" err="1">
-                <a:solidFill>
-                  <a:schemeClr val="bg1"/>
-                </a:solidFill>
-              </a:rPr>
-              <a:t>אינטייק</a:t>
-            </a:r>
-            <a:r>
-              <a:rPr lang="he-IL" dirty="0">
-                <a:solidFill>
-                  <a:schemeClr val="bg1"/>
-                </a:solidFill>
-              </a:rPr>
-              <a:t> אוטומטי </a:t>
-            </a:r>
-            <a:r>
-              <a:rPr lang="en-US" dirty="0">
-                <a:solidFill>
-                  <a:schemeClr val="bg1"/>
-                </a:solidFill>
-              </a:rPr>
-              <a:t>/ </a:t>
-            </a:r>
-            <a:r>
-              <a:rPr lang="he-IL" dirty="0">
-                <a:solidFill>
-                  <a:schemeClr val="bg1"/>
-                </a:solidFill>
-              </a:rPr>
-              <a:t>עצירה </a:t>
-            </a:r>
-            <a:r>
-              <a:rPr lang="he-IL" dirty="0" err="1">
-                <a:solidFill>
-                  <a:schemeClr val="bg1"/>
-                </a:solidFill>
-              </a:rPr>
-              <a:t>לאמפ</a:t>
-            </a:r>
-            <a:r>
-              <a:rPr lang="he-IL" dirty="0">
-                <a:solidFill>
-                  <a:schemeClr val="bg1"/>
-                </a:solidFill>
-              </a:rPr>
-              <a:t> לפני פליטה</a:t>
-            </a:r>
-          </a:p>
-        </p:txBody>
-      </p:sp>
-      <p:sp>
-        <p:nvSpPr>
-          <p:cNvPr id="12" name="תיבת טקסט 11">
-            <a:extLst>
-              <a:ext uri="{FF2B5EF4-FFF2-40B4-BE49-F238E27FC236}">
-                <a16:creationId xmlns:a16="http://schemas.microsoft.com/office/drawing/2014/main" id="{17CCC3B2-2883-43DC-95C3-99BAE82055B0}"/>
-              </a:ext>
-            </a:extLst>
-          </p:cNvPr>
-          <p:cNvSpPr txBox="1"/>
-          <p:nvPr/>
-        </p:nvSpPr>
-        <p:spPr>
-          <a:xfrm>
-            <a:off x="6837948" y="4061212"/>
+            <a:off x="-1859593" y="1938516"/>
             <a:ext cx="3633536" cy="369332"/>
           </a:xfrm>
           <a:prstGeom prst="rect">
@@ -3645,20 +3550,51 @@
           <a:lstStyle/>
           <a:p>
             <a:r>
-              <a:rPr lang="he-IL" dirty="0" err="1">
-                <a:solidFill>
-                  <a:schemeClr val="bg1"/>
-                </a:solidFill>
-              </a:rPr>
-              <a:t>אמפ</a:t>
-            </a:r>
-            <a:r>
               <a:rPr lang="he-IL" dirty="0">
                 <a:solidFill>
                   <a:schemeClr val="bg1"/>
                 </a:solidFill>
               </a:rPr>
-              <a:t> שלוש לחיצות</a:t>
+              <a:t>האטה 10</a:t>
+            </a:r>
+          </a:p>
+        </p:txBody>
+      </p:sp>
+      <p:sp>
+        <p:nvSpPr>
+          <p:cNvPr id="12" name="תיבת טקסט 11">
+            <a:extLst>
+              <a:ext uri="{FF2B5EF4-FFF2-40B4-BE49-F238E27FC236}">
+                <a16:creationId xmlns:a16="http://schemas.microsoft.com/office/drawing/2014/main" id="{17CCC3B2-2883-43DC-95C3-99BAE82055B0}"/>
+              </a:ext>
+            </a:extLst>
+          </p:cNvPr>
+          <p:cNvSpPr txBox="1"/>
+          <p:nvPr/>
+        </p:nvSpPr>
+        <p:spPr>
+          <a:xfrm>
+            <a:off x="6862011" y="4061212"/>
+            <a:ext cx="3633536" cy="369332"/>
+          </a:xfrm>
+          <a:prstGeom prst="rect">
+            <a:avLst/>
+          </a:prstGeom>
+          <a:noFill/>
+        </p:spPr>
+        <p:txBody>
+          <a:bodyPr wrap="square" rtlCol="1">
+            <a:spAutoFit/>
+          </a:bodyPr>
+          <a:lstStyle/>
+          <a:p>
+            <a:r>
+              <a:rPr lang="he-IL" dirty="0">
+                <a:solidFill>
+                  <a:schemeClr val="bg1"/>
+                </a:solidFill>
+              </a:rPr>
+              <a:t>פתיחה לאפ ופליטה</a:t>
             </a:r>
           </a:p>
         </p:txBody>
@@ -3697,7 +3633,7 @@
                   <a:schemeClr val="bg1"/>
                 </a:solidFill>
               </a:rPr>
-              <a:t>שחרור </a:t>
+              <a:t>פליטה </a:t>
             </a:r>
             <a:r>
               <a:rPr lang="he-IL" dirty="0" err="1">
@@ -3730,7 +3666,7 @@
         <p:spPr>
           <a:xfrm>
             <a:off x="-36095" y="2446657"/>
-            <a:ext cx="1749879" cy="646331"/>
+            <a:ext cx="1749879" cy="369332"/>
           </a:xfrm>
           <a:prstGeom prst="rect">
             <a:avLst/>
@@ -3749,7 +3685,7 @@
                   <a:schemeClr val="bg1"/>
                 </a:solidFill>
               </a:rPr>
-              <a:t>ירי מהמקום אוטומט</a:t>
+              <a:t>ירי אוטומט</a:t>
             </a:r>
           </a:p>
         </p:txBody>
@@ -3861,6 +3797,219 @@
               </a:rPr>
               <a:t> פודיום</a:t>
             </a:r>
+          </a:p>
+        </p:txBody>
+      </p:sp>
+      <p:sp>
+        <p:nvSpPr>
+          <p:cNvPr id="17" name="תיבת טקסט 16">
+            <a:extLst>
+              <a:ext uri="{FF2B5EF4-FFF2-40B4-BE49-F238E27FC236}">
+                <a16:creationId xmlns:a16="http://schemas.microsoft.com/office/drawing/2014/main" id="{E35BD5F1-32F8-4501-87A2-50414F46B671}"/>
+              </a:ext>
+            </a:extLst>
+          </p:cNvPr>
+          <p:cNvSpPr txBox="1"/>
+          <p:nvPr/>
+        </p:nvSpPr>
+        <p:spPr>
+          <a:xfrm>
+            <a:off x="2222406" y="3092988"/>
+            <a:ext cx="3633536" cy="369332"/>
+          </a:xfrm>
+          <a:prstGeom prst="rect">
+            <a:avLst/>
+          </a:prstGeom>
+          <a:noFill/>
+        </p:spPr>
+        <p:txBody>
+          <a:bodyPr wrap="square" rtlCol="1">
+            <a:spAutoFit/>
+          </a:bodyPr>
+          <a:lstStyle/>
+          <a:p>
+            <a:r>
+              <a:rPr lang="he-IL" dirty="0">
+                <a:solidFill>
+                  <a:schemeClr val="bg1"/>
+                </a:solidFill>
+              </a:rPr>
+              <a:t>מצב אפס רובוט</a:t>
+            </a:r>
+          </a:p>
+        </p:txBody>
+      </p:sp>
+      <p:sp>
+        <p:nvSpPr>
+          <p:cNvPr id="18" name="תיבת טקסט 17">
+            <a:extLst>
+              <a:ext uri="{FF2B5EF4-FFF2-40B4-BE49-F238E27FC236}">
+                <a16:creationId xmlns:a16="http://schemas.microsoft.com/office/drawing/2014/main" id="{F078F61A-F0C3-4A23-BC42-E34B5571E33F}"/>
+              </a:ext>
+            </a:extLst>
+          </p:cNvPr>
+          <p:cNvSpPr txBox="1"/>
+          <p:nvPr/>
+        </p:nvSpPr>
+        <p:spPr>
+          <a:xfrm>
+            <a:off x="6499633" y="1993370"/>
+            <a:ext cx="3633536" cy="369332"/>
+          </a:xfrm>
+          <a:prstGeom prst="rect">
+            <a:avLst/>
+          </a:prstGeom>
+          <a:noFill/>
+        </p:spPr>
+        <p:txBody>
+          <a:bodyPr wrap="square" rtlCol="1">
+            <a:spAutoFit/>
+          </a:bodyPr>
+          <a:lstStyle/>
+          <a:p>
+            <a:r>
+              <a:rPr lang="he-IL" dirty="0">
+                <a:solidFill>
+                  <a:schemeClr val="bg1"/>
+                </a:solidFill>
+              </a:rPr>
+              <a:t>האטה 40 אחוז</a:t>
+            </a:r>
+          </a:p>
+        </p:txBody>
+      </p:sp>
+      <p:sp>
+        <p:nvSpPr>
+          <p:cNvPr id="19" name="תיבת טקסט 18">
+            <a:extLst>
+              <a:ext uri="{FF2B5EF4-FFF2-40B4-BE49-F238E27FC236}">
+                <a16:creationId xmlns:a16="http://schemas.microsoft.com/office/drawing/2014/main" id="{FB32B842-7B60-4D4A-A2C2-7590D5EACEEF}"/>
+              </a:ext>
+            </a:extLst>
+          </p:cNvPr>
+          <p:cNvSpPr txBox="1"/>
+          <p:nvPr/>
+        </p:nvSpPr>
+        <p:spPr>
+          <a:xfrm>
+            <a:off x="5855942" y="2513089"/>
+            <a:ext cx="3633536" cy="369332"/>
+          </a:xfrm>
+          <a:prstGeom prst="rect">
+            <a:avLst/>
+          </a:prstGeom>
+          <a:noFill/>
+        </p:spPr>
+        <p:txBody>
+          <a:bodyPr wrap="square" rtlCol="1">
+            <a:spAutoFit/>
+          </a:bodyPr>
+          <a:lstStyle/>
+          <a:p>
+            <a:r>
+              <a:rPr lang="he-IL" dirty="0" err="1">
+                <a:solidFill>
+                  <a:schemeClr val="bg1"/>
+                </a:solidFill>
+              </a:rPr>
+              <a:t>איטיינק</a:t>
+            </a:r>
+            <a:endParaRPr lang="he-IL" dirty="0">
+              <a:solidFill>
+                <a:schemeClr val="bg1"/>
+              </a:solidFill>
+            </a:endParaRPr>
+          </a:p>
+        </p:txBody>
+      </p:sp>
+      <p:sp>
+        <p:nvSpPr>
+          <p:cNvPr id="20" name="תיבת טקסט 19">
+            <a:extLst>
+              <a:ext uri="{FF2B5EF4-FFF2-40B4-BE49-F238E27FC236}">
+                <a16:creationId xmlns:a16="http://schemas.microsoft.com/office/drawing/2014/main" id="{8FA9C95F-D47B-435D-9ED7-47AD54CA47D9}"/>
+              </a:ext>
+            </a:extLst>
+          </p:cNvPr>
+          <p:cNvSpPr txBox="1"/>
+          <p:nvPr/>
+        </p:nvSpPr>
+        <p:spPr>
+          <a:xfrm>
+            <a:off x="3228475" y="2946872"/>
+            <a:ext cx="3633536" cy="369332"/>
+          </a:xfrm>
+          <a:prstGeom prst="rect">
+            <a:avLst/>
+          </a:prstGeom>
+          <a:noFill/>
+        </p:spPr>
+        <p:txBody>
+          <a:bodyPr wrap="square" rtlCol="1">
+            <a:spAutoFit/>
+          </a:bodyPr>
+          <a:lstStyle/>
+          <a:p>
+            <a:r>
+              <a:rPr lang="he-IL" dirty="0">
+                <a:solidFill>
+                  <a:schemeClr val="bg1"/>
+                </a:solidFill>
+              </a:rPr>
+              <a:t>איפוס זרוע</a:t>
+            </a:r>
+          </a:p>
+        </p:txBody>
+      </p:sp>
+      <p:sp>
+        <p:nvSpPr>
+          <p:cNvPr id="21" name="תיבת טקסט 20">
+            <a:extLst>
+              <a:ext uri="{FF2B5EF4-FFF2-40B4-BE49-F238E27FC236}">
+                <a16:creationId xmlns:a16="http://schemas.microsoft.com/office/drawing/2014/main" id="{641FAB4D-999D-4A18-82FE-0A2A1BC6A340}"/>
+              </a:ext>
+            </a:extLst>
+          </p:cNvPr>
+          <p:cNvSpPr txBox="1"/>
+          <p:nvPr/>
+        </p:nvSpPr>
+        <p:spPr>
+          <a:xfrm>
+            <a:off x="6681538" y="3575773"/>
+            <a:ext cx="3633536" cy="369332"/>
+          </a:xfrm>
+          <a:prstGeom prst="rect">
+            <a:avLst/>
+          </a:prstGeom>
+          <a:noFill/>
+        </p:spPr>
+        <p:txBody>
+          <a:bodyPr wrap="square" rtlCol="1">
+            <a:spAutoFit/>
+          </a:bodyPr>
+          <a:lstStyle/>
+          <a:p>
+            <a:r>
+              <a:rPr lang="he-IL" dirty="0">
+                <a:solidFill>
+                  <a:schemeClr val="bg1"/>
+                </a:solidFill>
+              </a:rPr>
+              <a:t>איפוס כיוון </a:t>
+            </a:r>
+            <a:r>
+              <a:rPr lang="he-IL" dirty="0" err="1">
+                <a:solidFill>
+                  <a:schemeClr val="bg1"/>
+                </a:solidFill>
+              </a:rPr>
+              <a:t>סוורב</a:t>
+            </a:r>
+            <a:endParaRPr lang="he-IL" dirty="0">
+              <a:solidFill>
+                <a:schemeClr val="bg1"/>
+              </a:solidFill>
+            </a:endParaRPr>
           </a:p>
         </p:txBody>
       </p:sp>
